--- a/filosofi blockchain.pptx
+++ b/filosofi blockchain.pptx
@@ -5,19 +5,24 @@
     <p:sldMasterId id="2147483648" r:id="rId1"/>
   </p:sldMasterIdLst>
   <p:notesMasterIdLst>
-    <p:notesMasterId r:id="rId9"/>
+    <p:notesMasterId r:id="rId14"/>
   </p:notesMasterIdLst>
   <p:handoutMasterIdLst>
-    <p:handoutMasterId r:id="rId10"/>
+    <p:handoutMasterId r:id="rId15"/>
   </p:handoutMasterIdLst>
   <p:sldIdLst>
     <p:sldId id="256" r:id="rId2"/>
-    <p:sldId id="257" r:id="rId3"/>
-    <p:sldId id="258" r:id="rId4"/>
-    <p:sldId id="259" r:id="rId5"/>
-    <p:sldId id="262" r:id="rId6"/>
-    <p:sldId id="260" r:id="rId7"/>
-    <p:sldId id="261" r:id="rId8"/>
+    <p:sldId id="263" r:id="rId3"/>
+    <p:sldId id="257" r:id="rId4"/>
+    <p:sldId id="258" r:id="rId5"/>
+    <p:sldId id="264" r:id="rId6"/>
+    <p:sldId id="265" r:id="rId7"/>
+    <p:sldId id="267" r:id="rId8"/>
+    <p:sldId id="259" r:id="rId9"/>
+    <p:sldId id="262" r:id="rId10"/>
+    <p:sldId id="260" r:id="rId11"/>
+    <p:sldId id="266" r:id="rId12"/>
+    <p:sldId id="261" r:id="rId13"/>
   </p:sldIdLst>
   <p:sldSz cx="9144000" cy="6858000" type="screen4x3"/>
   <p:notesSz cx="6858000" cy="9144000"/>
@@ -200,7 +205,7 @@
           </a:lstStyle>
           <a:p>
             <a:fld id="{E7832C07-7258-6A4E-A333-5A0A273558A1}" type="datetimeFigureOut">
-              <a:t>9/18/17</a:t>
+              <a:t>9/22/17</a:t>
             </a:fld>
             <a:endParaRPr lang="en-US"/>
           </a:p>
@@ -364,7 +369,7 @@
           </a:lstStyle>
           <a:p>
             <a:fld id="{9D0C3236-9A53-684C-B084-CD515E5F4A05}" type="datetimeFigureOut">
-              <a:t>9/18/17</a:t>
+              <a:t>9/22/17</a:t>
             </a:fld>
             <a:endParaRPr lang="en-US"/>
           </a:p>
@@ -3764,6 +3769,819 @@
 </p:sld>
 </file>
 
+<file path=ppt/slides/slide10.xml><?xml version="1.0" encoding="utf-8"?>
+<p:sld xmlns:a="http://schemas.openxmlformats.org/drawingml/2006/main" xmlns:r="http://schemas.openxmlformats.org/officeDocument/2006/relationships" xmlns:p="http://schemas.openxmlformats.org/presentationml/2006/main">
+  <p:cSld>
+    <p:spTree>
+      <p:nvGrpSpPr>
+        <p:cNvPr id="1" name=""/>
+        <p:cNvGrpSpPr/>
+        <p:nvPr/>
+      </p:nvGrpSpPr>
+      <p:grpSpPr>
+        <a:xfrm>
+          <a:off x="0" y="0"/>
+          <a:ext cx="0" cy="0"/>
+          <a:chOff x="0" y="0"/>
+          <a:chExt cx="0" cy="0"/>
+        </a:xfrm>
+      </p:grpSpPr>
+      <p:sp>
+        <p:nvSpPr>
+          <p:cNvPr id="8" name="TextBox 7"/>
+          <p:cNvSpPr txBox="1"/>
+          <p:nvPr/>
+        </p:nvSpPr>
+        <p:spPr>
+          <a:xfrm>
+            <a:off x="5553065" y="4992376"/>
+            <a:ext cx="3371987" cy="1569660"/>
+          </a:xfrm>
+          <a:prstGeom prst="rect">
+            <a:avLst/>
+          </a:prstGeom>
+        </p:spPr>
+        <p:style>
+          <a:lnRef idx="2">
+            <a:schemeClr val="dk1"/>
+          </a:lnRef>
+          <a:fillRef idx="1">
+            <a:schemeClr val="lt1"/>
+          </a:fillRef>
+          <a:effectRef idx="0">
+            <a:schemeClr val="dk1"/>
+          </a:effectRef>
+          <a:fontRef idx="minor">
+            <a:schemeClr val="dk1"/>
+          </a:fontRef>
+        </p:style>
+        <p:txBody>
+          <a:bodyPr wrap="none" rtlCol="0">
+            <a:spAutoFit/>
+          </a:bodyPr>
+          <a:lstStyle/>
+          <a:p>
+            <a:r>
+              <a:rPr lang="en-US" sz="2400"/>
+              <a:t>A = 1.000.000</a:t>
+            </a:r>
+          </a:p>
+          <a:p>
+            <a:r>
+              <a:rPr lang="en-US" sz="2400"/>
+              <a:t>A &gt; B 5000</a:t>
+            </a:r>
+          </a:p>
+          <a:p>
+            <a:r>
+              <a:rPr lang="en-US" sz="2400"/>
+              <a:t>Chain: 4767</a:t>
+            </a:r>
+          </a:p>
+          <a:p>
+            <a:r>
+              <a:rPr lang="en-US" sz="2400"/>
+              <a:t>Hash: </a:t>
+            </a:r>
+            <a:r>
+              <a:rPr lang="is-IS" sz="2400"/>
+              <a:t>005e474d5e775e...</a:t>
+            </a:r>
+            <a:endParaRPr lang="en-US" sz="2400"/>
+          </a:p>
+        </p:txBody>
+      </p:sp>
+      <p:sp>
+        <p:nvSpPr>
+          <p:cNvPr id="2" name="TextBox 1"/>
+          <p:cNvSpPr txBox="1"/>
+          <p:nvPr/>
+        </p:nvSpPr>
+        <p:spPr>
+          <a:xfrm>
+            <a:off x="262049" y="2117703"/>
+            <a:ext cx="3371987" cy="1569660"/>
+          </a:xfrm>
+          <a:prstGeom prst="rect">
+            <a:avLst/>
+          </a:prstGeom>
+        </p:spPr>
+        <p:style>
+          <a:lnRef idx="2">
+            <a:schemeClr val="dk1"/>
+          </a:lnRef>
+          <a:fillRef idx="1">
+            <a:schemeClr val="lt1"/>
+          </a:fillRef>
+          <a:effectRef idx="0">
+            <a:schemeClr val="dk1"/>
+          </a:effectRef>
+          <a:fontRef idx="minor">
+            <a:schemeClr val="dk1"/>
+          </a:fontRef>
+        </p:style>
+        <p:txBody>
+          <a:bodyPr wrap="none" rtlCol="0">
+            <a:spAutoFit/>
+          </a:bodyPr>
+          <a:lstStyle/>
+          <a:p>
+            <a:r>
+              <a:rPr lang="en-US" sz="2400"/>
+              <a:t>A = 1.000.000</a:t>
+            </a:r>
+          </a:p>
+          <a:p>
+            <a:r>
+              <a:rPr lang="en-US" sz="2400"/>
+              <a:t>A &gt; B 5000</a:t>
+            </a:r>
+          </a:p>
+          <a:p>
+            <a:r>
+              <a:rPr lang="en-US" sz="2400"/>
+              <a:t>Chain: 4767</a:t>
+            </a:r>
+          </a:p>
+          <a:p>
+            <a:r>
+              <a:rPr lang="en-US" sz="2400"/>
+              <a:t>Hash: </a:t>
+            </a:r>
+            <a:r>
+              <a:rPr lang="is-IS" sz="2400"/>
+              <a:t>005e474d5e775e...</a:t>
+            </a:r>
+            <a:endParaRPr lang="en-US" sz="2400"/>
+          </a:p>
+        </p:txBody>
+      </p:sp>
+      <p:sp>
+        <p:nvSpPr>
+          <p:cNvPr id="3" name="TextBox 2"/>
+          <p:cNvSpPr txBox="1"/>
+          <p:nvPr/>
+        </p:nvSpPr>
+        <p:spPr>
+          <a:xfrm>
+            <a:off x="1794028" y="1390748"/>
+            <a:ext cx="530915" cy="646331"/>
+          </a:xfrm>
+          <a:prstGeom prst="rect">
+            <a:avLst/>
+          </a:prstGeom>
+          <a:noFill/>
+        </p:spPr>
+        <p:txBody>
+          <a:bodyPr wrap="none" rtlCol="0">
+            <a:spAutoFit/>
+          </a:bodyPr>
+          <a:lstStyle/>
+          <a:p>
+            <a:r>
+              <a:rPr lang="en-US" sz="3600">
+                <a:latin typeface="Avenir Black"/>
+                <a:cs typeface="Avenir Black"/>
+              </a:rPr>
+              <a:t>A</a:t>
+            </a:r>
+          </a:p>
+        </p:txBody>
+      </p:sp>
+      <p:sp>
+        <p:nvSpPr>
+          <p:cNvPr id="4" name="TextBox 3"/>
+          <p:cNvSpPr txBox="1"/>
+          <p:nvPr/>
+        </p:nvSpPr>
+        <p:spPr>
+          <a:xfrm>
+            <a:off x="1413469" y="5130875"/>
+            <a:ext cx="535064" cy="646331"/>
+          </a:xfrm>
+          <a:prstGeom prst="rect">
+            <a:avLst/>
+          </a:prstGeom>
+          <a:noFill/>
+        </p:spPr>
+        <p:txBody>
+          <a:bodyPr wrap="none" rtlCol="0">
+            <a:spAutoFit/>
+          </a:bodyPr>
+          <a:lstStyle/>
+          <a:p>
+            <a:r>
+              <a:rPr lang="en-US" sz="3600">
+                <a:latin typeface="Avenir Black"/>
+                <a:cs typeface="Avenir Black"/>
+              </a:rPr>
+              <a:t>D</a:t>
+            </a:r>
+          </a:p>
+        </p:txBody>
+      </p:sp>
+      <p:sp>
+        <p:nvSpPr>
+          <p:cNvPr id="5" name="TextBox 4"/>
+          <p:cNvSpPr txBox="1"/>
+          <p:nvPr/>
+        </p:nvSpPr>
+        <p:spPr>
+          <a:xfrm>
+            <a:off x="6815711" y="4226319"/>
+            <a:ext cx="505267" cy="646331"/>
+          </a:xfrm>
+          <a:prstGeom prst="rect">
+            <a:avLst/>
+          </a:prstGeom>
+          <a:noFill/>
+        </p:spPr>
+        <p:txBody>
+          <a:bodyPr wrap="none" rtlCol="0">
+            <a:spAutoFit/>
+          </a:bodyPr>
+          <a:lstStyle/>
+          <a:p>
+            <a:r>
+              <a:rPr lang="en-US" sz="3600">
+                <a:latin typeface="Avenir Black"/>
+                <a:cs typeface="Avenir Black"/>
+              </a:rPr>
+              <a:t>C</a:t>
+            </a:r>
+          </a:p>
+        </p:txBody>
+      </p:sp>
+      <p:sp>
+        <p:nvSpPr>
+          <p:cNvPr id="6" name="TextBox 5"/>
+          <p:cNvSpPr txBox="1"/>
+          <p:nvPr/>
+        </p:nvSpPr>
+        <p:spPr>
+          <a:xfrm>
+            <a:off x="6815711" y="1524782"/>
+            <a:ext cx="483822" cy="646331"/>
+          </a:xfrm>
+          <a:prstGeom prst="rect">
+            <a:avLst/>
+          </a:prstGeom>
+          <a:noFill/>
+        </p:spPr>
+        <p:txBody>
+          <a:bodyPr wrap="none" rtlCol="0">
+            <a:spAutoFit/>
+          </a:bodyPr>
+          <a:lstStyle/>
+          <a:p>
+            <a:r>
+              <a:rPr lang="en-US" sz="3600">
+                <a:latin typeface="Avenir Black"/>
+                <a:cs typeface="Avenir Black"/>
+              </a:rPr>
+              <a:t>B</a:t>
+            </a:r>
+          </a:p>
+        </p:txBody>
+      </p:sp>
+      <p:sp>
+        <p:nvSpPr>
+          <p:cNvPr id="9" name="Date Placeholder 8"/>
+          <p:cNvSpPr>
+            <a:spLocks noGrp="1"/>
+          </p:cNvSpPr>
+          <p:nvPr>
+            <p:ph type="dt" sz="half" idx="10"/>
+          </p:nvPr>
+        </p:nvSpPr>
+        <p:spPr/>
+        <p:txBody>
+          <a:bodyPr/>
+          <a:lstStyle/>
+          <a:p>
+            <a:r>
+              <a:rPr lang="en-US"/>
+              <a:t>9/18/17</a:t>
+            </a:r>
+          </a:p>
+        </p:txBody>
+      </p:sp>
+      <p:sp>
+        <p:nvSpPr>
+          <p:cNvPr id="10" name="Footer Placeholder 9"/>
+          <p:cNvSpPr>
+            <a:spLocks noGrp="1"/>
+          </p:cNvSpPr>
+          <p:nvPr>
+            <p:ph type="ftr" sz="quarter" idx="11"/>
+          </p:nvPr>
+        </p:nvSpPr>
+        <p:spPr/>
+        <p:txBody>
+          <a:bodyPr/>
+          <a:lstStyle/>
+          <a:p>
+            <a:r>
+              <a:rPr lang="en-US"/>
+              <a:t>BR - Filosofi Blockchain</a:t>
+            </a:r>
+          </a:p>
+        </p:txBody>
+      </p:sp>
+      <p:sp>
+        <p:nvSpPr>
+          <p:cNvPr id="11" name="Slide Number Placeholder 10"/>
+          <p:cNvSpPr>
+            <a:spLocks noGrp="1"/>
+          </p:cNvSpPr>
+          <p:nvPr>
+            <p:ph type="sldNum" sz="quarter" idx="12"/>
+          </p:nvPr>
+        </p:nvSpPr>
+        <p:spPr/>
+        <p:txBody>
+          <a:bodyPr/>
+          <a:lstStyle/>
+          <a:p>
+            <a:fld id="{33A541C5-8B19-BB4E-A02B-19E290C94680}" type="slidenum">
+              <a:t>10</a:t>
+            </a:fld>
+            <a:endParaRPr lang="en-US"/>
+          </a:p>
+        </p:txBody>
+      </p:sp>
+      <p:sp>
+        <p:nvSpPr>
+          <p:cNvPr id="12" name="TextBox 11"/>
+          <p:cNvSpPr txBox="1"/>
+          <p:nvPr/>
+        </p:nvSpPr>
+        <p:spPr>
+          <a:xfrm>
+            <a:off x="5741866" y="2489153"/>
+            <a:ext cx="2554981" cy="1908215"/>
+          </a:xfrm>
+          <a:prstGeom prst="rect">
+            <a:avLst/>
+          </a:prstGeom>
+          <a:noFill/>
+        </p:spPr>
+        <p:txBody>
+          <a:bodyPr wrap="none" rtlCol="0">
+            <a:spAutoFit/>
+          </a:bodyPr>
+          <a:lstStyle/>
+          <a:p>
+            <a:r>
+              <a:rPr lang="en-US" sz="2800" b="1"/>
+              <a:t>C:</a:t>
+            </a:r>
+          </a:p>
+          <a:p>
+            <a:r>
+              <a:rPr lang="en-US"/>
+              <a:t>Validated the transaction</a:t>
+            </a:r>
+          </a:p>
+          <a:p>
+            <a:r>
+              <a:rPr lang="en-US"/>
+              <a:t>Found the hash</a:t>
+            </a:r>
+          </a:p>
+          <a:p>
+            <a:r>
+              <a:rPr lang="en-US"/>
+              <a:t>Added into the ledger</a:t>
+            </a:r>
+          </a:p>
+          <a:p>
+            <a:r>
+              <a:rPr lang="en-US"/>
+              <a:t>Got “paid” for the effort</a:t>
+            </a:r>
+          </a:p>
+          <a:p>
+            <a:r>
+              <a:rPr lang="en-US"/>
+              <a:t>Transactions propagated</a:t>
+            </a:r>
+          </a:p>
+        </p:txBody>
+      </p:sp>
+    </p:spTree>
+    <p:extLst>
+      <p:ext uri="{BB962C8B-B14F-4D97-AF65-F5344CB8AC3E}">
+        <p14:creationId xmlns:p14="http://schemas.microsoft.com/office/powerpoint/2010/main" val="2654219976"/>
+      </p:ext>
+    </p:extLst>
+  </p:cSld>
+  <p:clrMapOvr>
+    <a:masterClrMapping/>
+  </p:clrMapOvr>
+  <p:timing>
+    <p:tnLst>
+      <p:par>
+        <p:cTn xmlns:p14="http://schemas.microsoft.com/office/powerpoint/2010/main" id="1" dur="indefinite" restart="never" nodeType="tmRoot"/>
+      </p:par>
+    </p:tnLst>
+  </p:timing>
+</p:sld>
+</file>
+
+<file path=ppt/slides/slide11.xml><?xml version="1.0" encoding="utf-8"?>
+<p:sld xmlns:a="http://schemas.openxmlformats.org/drawingml/2006/main" xmlns:r="http://schemas.openxmlformats.org/officeDocument/2006/relationships" xmlns:p="http://schemas.openxmlformats.org/presentationml/2006/main">
+  <p:cSld>
+    <p:spTree>
+      <p:nvGrpSpPr>
+        <p:cNvPr id="1" name=""/>
+        <p:cNvGrpSpPr/>
+        <p:nvPr/>
+      </p:nvGrpSpPr>
+      <p:grpSpPr>
+        <a:xfrm>
+          <a:off x="0" y="0"/>
+          <a:ext cx="0" cy="0"/>
+          <a:chOff x="0" y="0"/>
+          <a:chExt cx="0" cy="0"/>
+        </a:xfrm>
+      </p:grpSpPr>
+      <p:sp>
+        <p:nvSpPr>
+          <p:cNvPr id="5" name="Title 4"/>
+          <p:cNvSpPr>
+            <a:spLocks noGrp="1"/>
+          </p:cNvSpPr>
+          <p:nvPr>
+            <p:ph type="title"/>
+          </p:nvPr>
+        </p:nvSpPr>
+        <p:spPr/>
+        <p:txBody>
+          <a:bodyPr/>
+          <a:lstStyle/>
+          <a:p>
+            <a:r>
+              <a:rPr lang="en-US"/>
+              <a:t>Contoh Transaksi</a:t>
+            </a:r>
+          </a:p>
+        </p:txBody>
+      </p:sp>
+      <p:sp>
+        <p:nvSpPr>
+          <p:cNvPr id="6" name="Content Placeholder 5"/>
+          <p:cNvSpPr>
+            <a:spLocks noGrp="1"/>
+          </p:cNvSpPr>
+          <p:nvPr>
+            <p:ph idx="1"/>
+          </p:nvPr>
+        </p:nvSpPr>
+        <p:spPr/>
+        <p:txBody>
+          <a:bodyPr>
+            <a:normAutofit fontScale="92500" lnSpcReduction="20000"/>
+          </a:bodyPr>
+          <a:lstStyle/>
+          <a:p>
+            <a:r>
+              <a:rPr lang="en-US"/>
+              <a:t>A = 1000000</a:t>
+            </a:r>
+          </a:p>
+          <a:p>
+            <a:r>
+              <a:rPr lang="en-US"/>
+              <a:t>A &gt; B 5000</a:t>
+            </a:r>
+          </a:p>
+          <a:p>
+            <a:pPr lvl="1"/>
+            <a:r>
+              <a:rPr lang="en-US"/>
+              <a:t>Chain: 4767</a:t>
+            </a:r>
+          </a:p>
+          <a:p>
+            <a:pPr lvl="1"/>
+            <a:r>
+              <a:rPr lang="en-US"/>
+              <a:t>Hash: </a:t>
+            </a:r>
+            <a:r>
+              <a:rPr lang="is-IS"/>
+              <a:t>005e474d5e775e</a:t>
+            </a:r>
+          </a:p>
+          <a:p>
+            <a:r>
+              <a:rPr lang="is-IS"/>
+              <a:t>A &gt; C 10000</a:t>
+            </a:r>
+          </a:p>
+          <a:p>
+            <a:pPr lvl="1"/>
+            <a:r>
+              <a:rPr lang="is-IS"/>
+              <a:t>Chain: ...</a:t>
+            </a:r>
+          </a:p>
+          <a:p>
+            <a:pPr lvl="1"/>
+            <a:r>
+              <a:rPr lang="is-IS"/>
+              <a:t>Hash: ...</a:t>
+            </a:r>
+          </a:p>
+          <a:p>
+            <a:r>
+              <a:rPr lang="is-IS"/>
+              <a:t>C &gt; B 2000</a:t>
+            </a:r>
+          </a:p>
+          <a:p>
+            <a:pPr lvl="1"/>
+            <a:r>
+              <a:rPr lang="is-IS"/>
+              <a:t>Chain: ...</a:t>
+            </a:r>
+          </a:p>
+          <a:p>
+            <a:pPr lvl="1"/>
+            <a:r>
+              <a:rPr lang="is-IS"/>
+              <a:t>Hash: ...</a:t>
+            </a:r>
+            <a:endParaRPr lang="en-US"/>
+          </a:p>
+        </p:txBody>
+      </p:sp>
+      <p:sp>
+        <p:nvSpPr>
+          <p:cNvPr id="2" name="Date Placeholder 1"/>
+          <p:cNvSpPr>
+            <a:spLocks noGrp="1"/>
+          </p:cNvSpPr>
+          <p:nvPr>
+            <p:ph type="dt" sz="half" idx="10"/>
+          </p:nvPr>
+        </p:nvSpPr>
+        <p:spPr/>
+        <p:txBody>
+          <a:bodyPr/>
+          <a:lstStyle/>
+          <a:p>
+            <a:r>
+              <a:rPr lang="en-US"/>
+              <a:t>9/18/17</a:t>
+            </a:r>
+          </a:p>
+        </p:txBody>
+      </p:sp>
+      <p:sp>
+        <p:nvSpPr>
+          <p:cNvPr id="3" name="Footer Placeholder 2"/>
+          <p:cNvSpPr>
+            <a:spLocks noGrp="1"/>
+          </p:cNvSpPr>
+          <p:nvPr>
+            <p:ph type="ftr" sz="quarter" idx="11"/>
+          </p:nvPr>
+        </p:nvSpPr>
+        <p:spPr/>
+        <p:txBody>
+          <a:bodyPr/>
+          <a:lstStyle/>
+          <a:p>
+            <a:r>
+              <a:rPr lang="en-US"/>
+              <a:t>BR - Filosofi Blockchain</a:t>
+            </a:r>
+          </a:p>
+        </p:txBody>
+      </p:sp>
+      <p:sp>
+        <p:nvSpPr>
+          <p:cNvPr id="4" name="Slide Number Placeholder 3"/>
+          <p:cNvSpPr>
+            <a:spLocks noGrp="1"/>
+          </p:cNvSpPr>
+          <p:nvPr>
+            <p:ph type="sldNum" sz="quarter" idx="12"/>
+          </p:nvPr>
+        </p:nvSpPr>
+        <p:spPr/>
+        <p:txBody>
+          <a:bodyPr/>
+          <a:lstStyle/>
+          <a:p>
+            <a:fld id="{33A541C5-8B19-BB4E-A02B-19E290C94680}" type="slidenum">
+              <a:rPr lang="uk-UA"/>
+              <a:t>11</a:t>
+            </a:fld>
+            <a:endParaRPr lang="uk-UA"/>
+          </a:p>
+        </p:txBody>
+      </p:sp>
+    </p:spTree>
+    <p:extLst>
+      <p:ext uri="{BB962C8B-B14F-4D97-AF65-F5344CB8AC3E}">
+        <p14:creationId xmlns:p14="http://schemas.microsoft.com/office/powerpoint/2010/main" val="3522963201"/>
+      </p:ext>
+    </p:extLst>
+  </p:cSld>
+  <p:clrMapOvr>
+    <a:masterClrMapping/>
+  </p:clrMapOvr>
+  <p:timing>
+    <p:tnLst>
+      <p:par>
+        <p:cTn xmlns:p14="http://schemas.microsoft.com/office/powerpoint/2010/main" id="1" dur="indefinite" restart="never" nodeType="tmRoot"/>
+      </p:par>
+    </p:tnLst>
+  </p:timing>
+</p:sld>
+</file>
+
+<file path=ppt/slides/slide12.xml><?xml version="1.0" encoding="utf-8"?>
+<p:sld xmlns:a="http://schemas.openxmlformats.org/drawingml/2006/main" xmlns:r="http://schemas.openxmlformats.org/officeDocument/2006/relationships" xmlns:p="http://schemas.openxmlformats.org/presentationml/2006/main">
+  <p:cSld>
+    <p:spTree>
+      <p:nvGrpSpPr>
+        <p:cNvPr id="1" name=""/>
+        <p:cNvGrpSpPr/>
+        <p:nvPr/>
+      </p:nvGrpSpPr>
+      <p:grpSpPr>
+        <a:xfrm>
+          <a:off x="0" y="0"/>
+          <a:ext cx="0" cy="0"/>
+          <a:chOff x="0" y="0"/>
+          <a:chExt cx="0" cy="0"/>
+        </a:xfrm>
+      </p:grpSpPr>
+      <p:sp>
+        <p:nvSpPr>
+          <p:cNvPr id="5" name="Title 4"/>
+          <p:cNvSpPr>
+            <a:spLocks noGrp="1"/>
+          </p:cNvSpPr>
+          <p:nvPr>
+            <p:ph type="title"/>
+          </p:nvPr>
+        </p:nvSpPr>
+        <p:spPr/>
+        <p:txBody>
+          <a:bodyPr/>
+          <a:lstStyle/>
+          <a:p>
+            <a:r>
+              <a:rPr lang="en-US"/>
+              <a:t>Penutup</a:t>
+            </a:r>
+          </a:p>
+        </p:txBody>
+      </p:sp>
+      <p:sp>
+        <p:nvSpPr>
+          <p:cNvPr id="6" name="Content Placeholder 5"/>
+          <p:cNvSpPr>
+            <a:spLocks noGrp="1"/>
+          </p:cNvSpPr>
+          <p:nvPr>
+            <p:ph idx="1"/>
+          </p:nvPr>
+        </p:nvSpPr>
+        <p:spPr/>
+        <p:txBody>
+          <a:bodyPr/>
+          <a:lstStyle/>
+          <a:p>
+            <a:r>
+              <a:rPr lang="en-US"/>
+              <a:t>Komponen dari </a:t>
+            </a:r>
+            <a:r>
+              <a:rPr lang="en-US" b="1"/>
+              <a:t>Blockchain</a:t>
+            </a:r>
+          </a:p>
+          <a:p>
+            <a:pPr lvl="1"/>
+            <a:r>
+              <a:rPr lang="en-US"/>
+              <a:t>Distributed Open Ledger (database)</a:t>
+            </a:r>
+          </a:p>
+          <a:p>
+            <a:pPr lvl="1"/>
+            <a:r>
+              <a:rPr lang="en-US"/>
+              <a:t>“Miners” (pihak-pihak pencatat)</a:t>
+            </a:r>
+          </a:p>
+          <a:p>
+            <a:pPr lvl="1"/>
+            <a:r>
+              <a:rPr lang="en-US"/>
+              <a:t>Aturan (kebijakan) tentang “pemenang” dan “honor kerja”</a:t>
+            </a:r>
+          </a:p>
+          <a:p>
+            <a:r>
+              <a:rPr lang="en-US"/>
+              <a:t>Dapat diaplikasikan kepada hal-hal yang memiliki komponen tersebut (beserta variasinya)</a:t>
+            </a:r>
+          </a:p>
+        </p:txBody>
+      </p:sp>
+      <p:sp>
+        <p:nvSpPr>
+          <p:cNvPr id="2" name="Date Placeholder 1"/>
+          <p:cNvSpPr>
+            <a:spLocks noGrp="1"/>
+          </p:cNvSpPr>
+          <p:nvPr>
+            <p:ph type="dt" sz="half" idx="10"/>
+          </p:nvPr>
+        </p:nvSpPr>
+        <p:spPr/>
+        <p:txBody>
+          <a:bodyPr/>
+          <a:lstStyle/>
+          <a:p>
+            <a:r>
+              <a:rPr lang="en-US"/>
+              <a:t>9/18/17</a:t>
+            </a:r>
+          </a:p>
+        </p:txBody>
+      </p:sp>
+      <p:sp>
+        <p:nvSpPr>
+          <p:cNvPr id="3" name="Footer Placeholder 2"/>
+          <p:cNvSpPr>
+            <a:spLocks noGrp="1"/>
+          </p:cNvSpPr>
+          <p:nvPr>
+            <p:ph type="ftr" sz="quarter" idx="11"/>
+          </p:nvPr>
+        </p:nvSpPr>
+        <p:spPr/>
+        <p:txBody>
+          <a:bodyPr/>
+          <a:lstStyle/>
+          <a:p>
+            <a:r>
+              <a:rPr lang="en-US"/>
+              <a:t>BR - Filosofi Blockchain</a:t>
+            </a:r>
+          </a:p>
+        </p:txBody>
+      </p:sp>
+      <p:sp>
+        <p:nvSpPr>
+          <p:cNvPr id="4" name="Slide Number Placeholder 3"/>
+          <p:cNvSpPr>
+            <a:spLocks noGrp="1"/>
+          </p:cNvSpPr>
+          <p:nvPr>
+            <p:ph type="sldNum" sz="quarter" idx="12"/>
+          </p:nvPr>
+        </p:nvSpPr>
+        <p:spPr/>
+        <p:txBody>
+          <a:bodyPr/>
+          <a:lstStyle/>
+          <a:p>
+            <a:fld id="{33A541C5-8B19-BB4E-A02B-19E290C94680}" type="slidenum">
+              <a:t>12</a:t>
+            </a:fld>
+            <a:endParaRPr lang="en-US"/>
+          </a:p>
+        </p:txBody>
+      </p:sp>
+    </p:spTree>
+    <p:extLst>
+      <p:ext uri="{BB962C8B-B14F-4D97-AF65-F5344CB8AC3E}">
+        <p14:creationId xmlns:p14="http://schemas.microsoft.com/office/powerpoint/2010/main" val="505539880"/>
+      </p:ext>
+    </p:extLst>
+  </p:cSld>
+  <p:clrMapOvr>
+    <a:masterClrMapping/>
+  </p:clrMapOvr>
+  <p:timing>
+    <p:tnLst>
+      <p:par>
+        <p:cTn xmlns:p14="http://schemas.microsoft.com/office/powerpoint/2010/main" id="1" dur="indefinite" restart="never" nodeType="tmRoot"/>
+      </p:par>
+    </p:tnLst>
+  </p:timing>
+</p:sld>
+</file>
+
 <file path=ppt/slides/slide2.xml><?xml version="1.0" encoding="utf-8"?>
 <p:sld xmlns:a="http://schemas.openxmlformats.org/drawingml/2006/main" xmlns:r="http://schemas.openxmlformats.org/officeDocument/2006/relationships" xmlns:p="http://schemas.openxmlformats.org/presentationml/2006/main">
   <p:cSld>
@@ -3783,6 +4601,167 @@
       </p:grpSpPr>
       <p:sp>
         <p:nvSpPr>
+          <p:cNvPr id="2" name="Title 1"/>
+          <p:cNvSpPr>
+            <a:spLocks noGrp="1"/>
+          </p:cNvSpPr>
+          <p:nvPr>
+            <p:ph type="title"/>
+          </p:nvPr>
+        </p:nvSpPr>
+        <p:spPr/>
+        <p:txBody>
+          <a:bodyPr/>
+          <a:lstStyle/>
+          <a:p>
+            <a:r>
+              <a:rPr lang="en-US"/>
+              <a:t>Disclaimer</a:t>
+            </a:r>
+          </a:p>
+        </p:txBody>
+      </p:sp>
+      <p:sp>
+        <p:nvSpPr>
+          <p:cNvPr id="3" name="Content Placeholder 2"/>
+          <p:cNvSpPr>
+            <a:spLocks noGrp="1"/>
+          </p:cNvSpPr>
+          <p:nvPr>
+            <p:ph idx="1"/>
+          </p:nvPr>
+        </p:nvSpPr>
+        <p:spPr/>
+        <p:txBody>
+          <a:bodyPr/>
+          <a:lstStyle/>
+          <a:p>
+            <a:r>
+              <a:rPr lang="en-US"/>
+              <a:t>This presentation was delivered Bahasa Indonesia (although the text is in English). Some of the context are Indonesian-related</a:t>
+            </a:r>
+          </a:p>
+          <a:p>
+            <a:r>
+              <a:rPr lang="en-US"/>
+              <a:t>Materi presentasi ini merupakan bagian dari presentasi. Ada banyak hal yang tidak tertuliskan dalam materi presentasi ini. Anda harus hadir di presentasinya </a:t>
+            </a:r>
+            <a:r>
+              <a:rPr lang="en-US">
+                <a:sym typeface="Wingdings"/>
+              </a:rPr>
+              <a:t></a:t>
+            </a:r>
+            <a:endParaRPr lang="en-US"/>
+          </a:p>
+        </p:txBody>
+      </p:sp>
+      <p:sp>
+        <p:nvSpPr>
+          <p:cNvPr id="4" name="Date Placeholder 3"/>
+          <p:cNvSpPr>
+            <a:spLocks noGrp="1"/>
+          </p:cNvSpPr>
+          <p:nvPr>
+            <p:ph type="dt" sz="half" idx="10"/>
+          </p:nvPr>
+        </p:nvSpPr>
+        <p:spPr/>
+        <p:txBody>
+          <a:bodyPr/>
+          <a:lstStyle/>
+          <a:p>
+            <a:r>
+              <a:rPr lang="en-US"/>
+              <a:t>9/18/17</a:t>
+            </a:r>
+          </a:p>
+        </p:txBody>
+      </p:sp>
+      <p:sp>
+        <p:nvSpPr>
+          <p:cNvPr id="5" name="Footer Placeholder 4"/>
+          <p:cNvSpPr>
+            <a:spLocks noGrp="1"/>
+          </p:cNvSpPr>
+          <p:nvPr>
+            <p:ph type="ftr" sz="quarter" idx="11"/>
+          </p:nvPr>
+        </p:nvSpPr>
+        <p:spPr/>
+        <p:txBody>
+          <a:bodyPr/>
+          <a:lstStyle/>
+          <a:p>
+            <a:r>
+              <a:rPr lang="en-US"/>
+              <a:t>BR - Filosofi Blockchain</a:t>
+            </a:r>
+          </a:p>
+        </p:txBody>
+      </p:sp>
+      <p:sp>
+        <p:nvSpPr>
+          <p:cNvPr id="6" name="Slide Number Placeholder 5"/>
+          <p:cNvSpPr>
+            <a:spLocks noGrp="1"/>
+          </p:cNvSpPr>
+          <p:nvPr>
+            <p:ph type="sldNum" sz="quarter" idx="12"/>
+          </p:nvPr>
+        </p:nvSpPr>
+        <p:spPr/>
+        <p:txBody>
+          <a:bodyPr/>
+          <a:lstStyle/>
+          <a:p>
+            <a:fld id="{33A541C5-8B19-BB4E-A02B-19E290C94680}" type="slidenum">
+              <a:rPr lang="uk-UA"/>
+              <a:t>2</a:t>
+            </a:fld>
+            <a:endParaRPr lang="uk-UA"/>
+          </a:p>
+        </p:txBody>
+      </p:sp>
+    </p:spTree>
+    <p:extLst>
+      <p:ext uri="{BB962C8B-B14F-4D97-AF65-F5344CB8AC3E}">
+        <p14:creationId xmlns:p14="http://schemas.microsoft.com/office/powerpoint/2010/main" val="2395995158"/>
+      </p:ext>
+    </p:extLst>
+  </p:cSld>
+  <p:clrMapOvr>
+    <a:masterClrMapping/>
+  </p:clrMapOvr>
+  <p:timing>
+    <p:tnLst>
+      <p:par>
+        <p:cTn xmlns:p14="http://schemas.microsoft.com/office/powerpoint/2010/main" id="1" dur="indefinite" restart="never" nodeType="tmRoot"/>
+      </p:par>
+    </p:tnLst>
+  </p:timing>
+</p:sld>
+</file>
+
+<file path=ppt/slides/slide3.xml><?xml version="1.0" encoding="utf-8"?>
+<p:sld xmlns:a="http://schemas.openxmlformats.org/drawingml/2006/main" xmlns:r="http://schemas.openxmlformats.org/officeDocument/2006/relationships" xmlns:p="http://schemas.openxmlformats.org/presentationml/2006/main">
+  <p:cSld>
+    <p:spTree>
+      <p:nvGrpSpPr>
+        <p:cNvPr id="1" name=""/>
+        <p:cNvGrpSpPr/>
+        <p:nvPr/>
+      </p:nvGrpSpPr>
+      <p:grpSpPr>
+        <a:xfrm>
+          <a:off x="0" y="0"/>
+          <a:ext cx="0" cy="0"/>
+          <a:chOff x="0" y="0"/>
+          <a:chExt cx="0" cy="0"/>
+        </a:xfrm>
+      </p:grpSpPr>
+      <p:sp>
+        <p:nvSpPr>
           <p:cNvPr id="4" name="Title 3"/>
           <p:cNvSpPr>
             <a:spLocks noGrp="1"/>
@@ -3870,7 +4849,7 @@
           <a:lstStyle/>
           <a:p>
             <a:fld id="{33A541C5-8B19-BB4E-A02B-19E290C94680}" type="slidenum">
-              <a:t>2</a:t>
+              <a:t>3</a:t>
             </a:fld>
             <a:endParaRPr lang="en-US"/>
           </a:p>
@@ -3896,7 +4875,7 @@
 </p:sld>
 </file>
 
-<file path=ppt/slides/slide3.xml><?xml version="1.0" encoding="utf-8"?>
+<file path=ppt/slides/slide4.xml><?xml version="1.0" encoding="utf-8"?>
 <p:sld xmlns:a="http://schemas.openxmlformats.org/drawingml/2006/main" xmlns:r="http://schemas.openxmlformats.org/officeDocument/2006/relationships" xmlns:p="http://schemas.openxmlformats.org/presentationml/2006/main">
   <p:cSld>
     <p:spTree>
@@ -4003,7 +4982,7 @@
           <a:lstStyle/>
           <a:p>
             <a:fld id="{33A541C5-8B19-BB4E-A02B-19E290C94680}" type="slidenum">
-              <a:t>3</a:t>
+              <a:t>4</a:t>
             </a:fld>
             <a:endParaRPr lang="en-US"/>
           </a:p>
@@ -4029,7 +5008,528 @@
 </p:sld>
 </file>
 
-<file path=ppt/slides/slide4.xml><?xml version="1.0" encoding="utf-8"?>
+<file path=ppt/slides/slide5.xml><?xml version="1.0" encoding="utf-8"?>
+<p:sld xmlns:a="http://schemas.openxmlformats.org/drawingml/2006/main" xmlns:r="http://schemas.openxmlformats.org/officeDocument/2006/relationships" xmlns:p="http://schemas.openxmlformats.org/presentationml/2006/main">
+  <p:cSld>
+    <p:spTree>
+      <p:nvGrpSpPr>
+        <p:cNvPr id="1" name=""/>
+        <p:cNvGrpSpPr/>
+        <p:nvPr/>
+      </p:nvGrpSpPr>
+      <p:grpSpPr>
+        <a:xfrm>
+          <a:off x="0" y="0"/>
+          <a:ext cx="0" cy="0"/>
+          <a:chOff x="0" y="0"/>
+          <a:chExt cx="0" cy="0"/>
+        </a:xfrm>
+      </p:grpSpPr>
+      <p:sp>
+        <p:nvSpPr>
+          <p:cNvPr id="5" name="Title 4"/>
+          <p:cNvSpPr>
+            <a:spLocks noGrp="1"/>
+          </p:cNvSpPr>
+          <p:nvPr>
+            <p:ph type="title"/>
+          </p:nvPr>
+        </p:nvSpPr>
+        <p:spPr/>
+        <p:txBody>
+          <a:bodyPr/>
+          <a:lstStyle/>
+          <a:p>
+            <a:r>
+              <a:rPr lang="en-US"/>
+              <a:t>Transaksi Uang Konvensional</a:t>
+            </a:r>
+          </a:p>
+        </p:txBody>
+      </p:sp>
+      <p:sp>
+        <p:nvSpPr>
+          <p:cNvPr id="6" name="Content Placeholder 5"/>
+          <p:cNvSpPr>
+            <a:spLocks noGrp="1"/>
+          </p:cNvSpPr>
+          <p:nvPr>
+            <p:ph idx="1"/>
+          </p:nvPr>
+        </p:nvSpPr>
+        <p:spPr/>
+        <p:txBody>
+          <a:bodyPr>
+            <a:normAutofit fontScale="77500" lnSpcReduction="20000"/>
+          </a:bodyPr>
+          <a:lstStyle/>
+          <a:p>
+            <a:r>
+              <a:rPr lang="en-US"/>
+              <a:t>Asumsi awal, A memiliki saldo sebesar 1.000.000</a:t>
+            </a:r>
+          </a:p>
+          <a:p>
+            <a:r>
+              <a:rPr lang="en-US"/>
+              <a:t>Misal A akan mengirimkan uang sebanyak 5000 ke B</a:t>
+            </a:r>
+          </a:p>
+          <a:p>
+            <a:r>
+              <a:rPr lang="en-US"/>
+              <a:t>A akan meminta bantukan kepada pihak ketiga yang terpercaya (trusted third party), yaitu bank untuk menjadi perantara</a:t>
+            </a:r>
+          </a:p>
+          <a:p>
+            <a:r>
+              <a:rPr lang="en-US"/>
+              <a:t>Bank dapat mengidentifikasi identitas A dan B</a:t>
+            </a:r>
+          </a:p>
+          <a:p>
+            <a:r>
+              <a:rPr lang="en-US"/>
+              <a:t>Bank dapat memverifikasi bahwa transaksi ini legal (karena A memiliki saldo yang cukup)</a:t>
+            </a:r>
+          </a:p>
+          <a:p>
+            <a:r>
+              <a:rPr lang="en-US"/>
+              <a:t>Bank mencatatkan ini dalam ledger yang dimilikinya</a:t>
+            </a:r>
+          </a:p>
+          <a:p>
+            <a:r>
+              <a:rPr lang="en-US"/>
+              <a:t>Bank meminta biaya atas jasanya ini</a:t>
+            </a:r>
+          </a:p>
+          <a:p>
+            <a:r>
+              <a:rPr lang="en-US"/>
+              <a:t>Bank menentukan kecepatan (waktu) transaksi</a:t>
+            </a:r>
+          </a:p>
+        </p:txBody>
+      </p:sp>
+      <p:sp>
+        <p:nvSpPr>
+          <p:cNvPr id="2" name="Date Placeholder 1"/>
+          <p:cNvSpPr>
+            <a:spLocks noGrp="1"/>
+          </p:cNvSpPr>
+          <p:nvPr>
+            <p:ph type="dt" sz="half" idx="10"/>
+          </p:nvPr>
+        </p:nvSpPr>
+        <p:spPr/>
+        <p:txBody>
+          <a:bodyPr/>
+          <a:lstStyle/>
+          <a:p>
+            <a:r>
+              <a:rPr lang="en-US"/>
+              <a:t>9/18/17</a:t>
+            </a:r>
+          </a:p>
+        </p:txBody>
+      </p:sp>
+      <p:sp>
+        <p:nvSpPr>
+          <p:cNvPr id="3" name="Footer Placeholder 2"/>
+          <p:cNvSpPr>
+            <a:spLocks noGrp="1"/>
+          </p:cNvSpPr>
+          <p:nvPr>
+            <p:ph type="ftr" sz="quarter" idx="11"/>
+          </p:nvPr>
+        </p:nvSpPr>
+        <p:spPr/>
+        <p:txBody>
+          <a:bodyPr/>
+          <a:lstStyle/>
+          <a:p>
+            <a:r>
+              <a:rPr lang="en-US"/>
+              <a:t>BR - Filosofi Blockchain</a:t>
+            </a:r>
+          </a:p>
+        </p:txBody>
+      </p:sp>
+      <p:sp>
+        <p:nvSpPr>
+          <p:cNvPr id="4" name="Slide Number Placeholder 3"/>
+          <p:cNvSpPr>
+            <a:spLocks noGrp="1"/>
+          </p:cNvSpPr>
+          <p:nvPr>
+            <p:ph type="sldNum" sz="quarter" idx="12"/>
+          </p:nvPr>
+        </p:nvSpPr>
+        <p:spPr/>
+        <p:txBody>
+          <a:bodyPr/>
+          <a:lstStyle/>
+          <a:p>
+            <a:fld id="{33A541C5-8B19-BB4E-A02B-19E290C94680}" type="slidenum">
+              <a:rPr lang="uk-UA"/>
+              <a:t>5</a:t>
+            </a:fld>
+            <a:endParaRPr lang="uk-UA"/>
+          </a:p>
+        </p:txBody>
+      </p:sp>
+    </p:spTree>
+    <p:extLst>
+      <p:ext uri="{BB962C8B-B14F-4D97-AF65-F5344CB8AC3E}">
+        <p14:creationId xmlns:p14="http://schemas.microsoft.com/office/powerpoint/2010/main" val="3730143648"/>
+      </p:ext>
+    </p:extLst>
+  </p:cSld>
+  <p:clrMapOvr>
+    <a:masterClrMapping/>
+  </p:clrMapOvr>
+  <p:timing>
+    <p:tnLst>
+      <p:par>
+        <p:cTn xmlns:p14="http://schemas.microsoft.com/office/powerpoint/2010/main" id="1" dur="indefinite" restart="never" nodeType="tmRoot"/>
+      </p:par>
+    </p:tnLst>
+  </p:timing>
+</p:sld>
+</file>
+
+<file path=ppt/slides/slide6.xml><?xml version="1.0" encoding="utf-8"?>
+<p:sld xmlns:a="http://schemas.openxmlformats.org/drawingml/2006/main" xmlns:r="http://schemas.openxmlformats.org/officeDocument/2006/relationships" xmlns:p="http://schemas.openxmlformats.org/presentationml/2006/main">
+  <p:cSld>
+    <p:spTree>
+      <p:nvGrpSpPr>
+        <p:cNvPr id="1" name=""/>
+        <p:cNvGrpSpPr/>
+        <p:nvPr/>
+      </p:nvGrpSpPr>
+      <p:grpSpPr>
+        <a:xfrm>
+          <a:off x="0" y="0"/>
+          <a:ext cx="0" cy="0"/>
+          <a:chOff x="0" y="0"/>
+          <a:chExt cx="0" cy="0"/>
+        </a:xfrm>
+      </p:grpSpPr>
+      <p:sp>
+        <p:nvSpPr>
+          <p:cNvPr id="2" name="Title 1"/>
+          <p:cNvSpPr>
+            <a:spLocks noGrp="1"/>
+          </p:cNvSpPr>
+          <p:nvPr>
+            <p:ph type="title"/>
+          </p:nvPr>
+        </p:nvSpPr>
+        <p:spPr/>
+        <p:txBody>
+          <a:bodyPr/>
+          <a:lstStyle/>
+          <a:p>
+            <a:r>
+              <a:rPr lang="en-US"/>
+              <a:t>Blockchain</a:t>
+            </a:r>
+          </a:p>
+        </p:txBody>
+      </p:sp>
+      <p:sp>
+        <p:nvSpPr>
+          <p:cNvPr id="3" name="Content Placeholder 2"/>
+          <p:cNvSpPr>
+            <a:spLocks noGrp="1"/>
+          </p:cNvSpPr>
+          <p:nvPr>
+            <p:ph idx="1"/>
+          </p:nvPr>
+        </p:nvSpPr>
+        <p:spPr/>
+        <p:txBody>
+          <a:bodyPr/>
+          <a:lstStyle/>
+          <a:p>
+            <a:pPr marL="0" indent="0">
+              <a:buNone/>
+            </a:pPr>
+            <a:r>
+              <a:rPr lang="en-US"/>
+              <a:t>Digunakan dalam Bitcoin untuk</a:t>
+            </a:r>
+          </a:p>
+          <a:p>
+            <a:r>
+              <a:rPr lang="en-US"/>
+              <a:t>Menghilangkan centralized ledger, menjadi distributed</a:t>
+            </a:r>
+          </a:p>
+          <a:p>
+            <a:r>
+              <a:rPr lang="en-US"/>
+              <a:t>Membuat biaya transaksi menjadi lebih murah</a:t>
+            </a:r>
+          </a:p>
+          <a:p>
+            <a:r>
+              <a:rPr lang="en-US"/>
+              <a:t>Membuat waktu transaksi menjadi lebih singkat (“instan”)</a:t>
+            </a:r>
+          </a:p>
+        </p:txBody>
+      </p:sp>
+      <p:sp>
+        <p:nvSpPr>
+          <p:cNvPr id="4" name="Date Placeholder 3"/>
+          <p:cNvSpPr>
+            <a:spLocks noGrp="1"/>
+          </p:cNvSpPr>
+          <p:nvPr>
+            <p:ph type="dt" sz="half" idx="10"/>
+          </p:nvPr>
+        </p:nvSpPr>
+        <p:spPr/>
+        <p:txBody>
+          <a:bodyPr/>
+          <a:lstStyle/>
+          <a:p>
+            <a:r>
+              <a:rPr lang="en-US"/>
+              <a:t>9/18/17</a:t>
+            </a:r>
+          </a:p>
+        </p:txBody>
+      </p:sp>
+      <p:sp>
+        <p:nvSpPr>
+          <p:cNvPr id="5" name="Footer Placeholder 4"/>
+          <p:cNvSpPr>
+            <a:spLocks noGrp="1"/>
+          </p:cNvSpPr>
+          <p:nvPr>
+            <p:ph type="ftr" sz="quarter" idx="11"/>
+          </p:nvPr>
+        </p:nvSpPr>
+        <p:spPr/>
+        <p:txBody>
+          <a:bodyPr/>
+          <a:lstStyle/>
+          <a:p>
+            <a:r>
+              <a:rPr lang="en-US"/>
+              <a:t>BR - Filosofi Blockchain</a:t>
+            </a:r>
+          </a:p>
+        </p:txBody>
+      </p:sp>
+      <p:sp>
+        <p:nvSpPr>
+          <p:cNvPr id="6" name="Slide Number Placeholder 5"/>
+          <p:cNvSpPr>
+            <a:spLocks noGrp="1"/>
+          </p:cNvSpPr>
+          <p:nvPr>
+            <p:ph type="sldNum" sz="quarter" idx="12"/>
+          </p:nvPr>
+        </p:nvSpPr>
+        <p:spPr/>
+        <p:txBody>
+          <a:bodyPr/>
+          <a:lstStyle/>
+          <a:p>
+            <a:fld id="{33A541C5-8B19-BB4E-A02B-19E290C94680}" type="slidenum">
+              <a:rPr lang="uk-UA"/>
+              <a:t>6</a:t>
+            </a:fld>
+            <a:endParaRPr lang="uk-UA"/>
+          </a:p>
+        </p:txBody>
+      </p:sp>
+    </p:spTree>
+    <p:extLst>
+      <p:ext uri="{BB962C8B-B14F-4D97-AF65-F5344CB8AC3E}">
+        <p14:creationId xmlns:p14="http://schemas.microsoft.com/office/powerpoint/2010/main" val="170860238"/>
+      </p:ext>
+    </p:extLst>
+  </p:cSld>
+  <p:clrMapOvr>
+    <a:masterClrMapping/>
+  </p:clrMapOvr>
+  <p:timing>
+    <p:tnLst>
+      <p:par>
+        <p:cTn xmlns:p14="http://schemas.microsoft.com/office/powerpoint/2010/main" id="1" dur="indefinite" restart="never" nodeType="tmRoot"/>
+      </p:par>
+    </p:tnLst>
+  </p:timing>
+</p:sld>
+</file>
+
+<file path=ppt/slides/slide7.xml><?xml version="1.0" encoding="utf-8"?>
+<p:sld xmlns:a="http://schemas.openxmlformats.org/drawingml/2006/main" xmlns:r="http://schemas.openxmlformats.org/officeDocument/2006/relationships" xmlns:p="http://schemas.openxmlformats.org/presentationml/2006/main">
+  <p:cSld>
+    <p:spTree>
+      <p:nvGrpSpPr>
+        <p:cNvPr id="1" name=""/>
+        <p:cNvGrpSpPr/>
+        <p:nvPr/>
+      </p:nvGrpSpPr>
+      <p:grpSpPr>
+        <a:xfrm>
+          <a:off x="0" y="0"/>
+          <a:ext cx="0" cy="0"/>
+          <a:chOff x="0" y="0"/>
+          <a:chExt cx="0" cy="0"/>
+        </a:xfrm>
+      </p:grpSpPr>
+      <p:sp>
+        <p:nvSpPr>
+          <p:cNvPr id="2" name="Title 1"/>
+          <p:cNvSpPr>
+            <a:spLocks noGrp="1"/>
+          </p:cNvSpPr>
+          <p:nvPr>
+            <p:ph type="title"/>
+          </p:nvPr>
+        </p:nvSpPr>
+        <p:spPr/>
+        <p:txBody>
+          <a:bodyPr/>
+          <a:lstStyle/>
+          <a:p>
+            <a:r>
+              <a:rPr lang="en-US"/>
+              <a:t>Keterangan</a:t>
+            </a:r>
+          </a:p>
+        </p:txBody>
+      </p:sp>
+      <p:sp>
+        <p:nvSpPr>
+          <p:cNvPr id="3" name="Content Placeholder 2"/>
+          <p:cNvSpPr>
+            <a:spLocks noGrp="1"/>
+          </p:cNvSpPr>
+          <p:nvPr>
+            <p:ph idx="1"/>
+          </p:nvPr>
+        </p:nvSpPr>
+        <p:spPr/>
+        <p:txBody>
+          <a:bodyPr/>
+          <a:lstStyle/>
+          <a:p>
+            <a:r>
+              <a:rPr lang="en-US"/>
+              <a:t>Kembali seperti skenario awal (A &gt; B 5000)</a:t>
+            </a:r>
+          </a:p>
+          <a:p>
+            <a:r>
+              <a:rPr lang="en-US"/>
+              <a:t>Konsep chain</a:t>
+            </a:r>
+          </a:p>
+          <a:p>
+            <a:r>
+              <a:rPr lang="en-US"/>
+              <a:t>Penilaian apa yang disebut valid chain dan kriterianya</a:t>
+            </a:r>
+          </a:p>
+          <a:p>
+            <a:pPr lvl="1"/>
+            <a:r>
+              <a:rPr lang="en-US"/>
+              <a:t>Hash dari transaksi sebelumnya dan chain nilainya di bawah sebuah bilangan</a:t>
+            </a:r>
+          </a:p>
+        </p:txBody>
+      </p:sp>
+      <p:sp>
+        <p:nvSpPr>
+          <p:cNvPr id="4" name="Date Placeholder 3"/>
+          <p:cNvSpPr>
+            <a:spLocks noGrp="1"/>
+          </p:cNvSpPr>
+          <p:nvPr>
+            <p:ph type="dt" sz="half" idx="10"/>
+          </p:nvPr>
+        </p:nvSpPr>
+        <p:spPr/>
+        <p:txBody>
+          <a:bodyPr/>
+          <a:lstStyle/>
+          <a:p>
+            <a:r>
+              <a:rPr lang="en-US"/>
+              <a:t>9/18/17</a:t>
+            </a:r>
+          </a:p>
+        </p:txBody>
+      </p:sp>
+      <p:sp>
+        <p:nvSpPr>
+          <p:cNvPr id="5" name="Footer Placeholder 4"/>
+          <p:cNvSpPr>
+            <a:spLocks noGrp="1"/>
+          </p:cNvSpPr>
+          <p:nvPr>
+            <p:ph type="ftr" sz="quarter" idx="11"/>
+          </p:nvPr>
+        </p:nvSpPr>
+        <p:spPr/>
+        <p:txBody>
+          <a:bodyPr/>
+          <a:lstStyle/>
+          <a:p>
+            <a:r>
+              <a:rPr lang="en-US"/>
+              <a:t>BR - Filosofi Blockchain</a:t>
+            </a:r>
+          </a:p>
+        </p:txBody>
+      </p:sp>
+      <p:sp>
+        <p:nvSpPr>
+          <p:cNvPr id="6" name="Slide Number Placeholder 5"/>
+          <p:cNvSpPr>
+            <a:spLocks noGrp="1"/>
+          </p:cNvSpPr>
+          <p:nvPr>
+            <p:ph type="sldNum" sz="quarter" idx="12"/>
+          </p:nvPr>
+        </p:nvSpPr>
+        <p:spPr/>
+        <p:txBody>
+          <a:bodyPr/>
+          <a:lstStyle/>
+          <a:p>
+            <a:fld id="{33A541C5-8B19-BB4E-A02B-19E290C94680}" type="slidenum">
+              <a:rPr lang="uk-UA"/>
+              <a:t>7</a:t>
+            </a:fld>
+            <a:endParaRPr lang="uk-UA"/>
+          </a:p>
+        </p:txBody>
+      </p:sp>
+    </p:spTree>
+    <p:extLst>
+      <p:ext uri="{BB962C8B-B14F-4D97-AF65-F5344CB8AC3E}">
+        <p14:creationId xmlns:p14="http://schemas.microsoft.com/office/powerpoint/2010/main" val="2454573070"/>
+      </p:ext>
+    </p:extLst>
+  </p:cSld>
+  <p:clrMapOvr>
+    <a:masterClrMapping/>
+  </p:clrMapOvr>
+</p:sld>
+</file>
+
+<file path=ppt/slides/slide8.xml><?xml version="1.0" encoding="utf-8"?>
 <p:sld xmlns:a="http://schemas.openxmlformats.org/drawingml/2006/main" xmlns:r="http://schemas.openxmlformats.org/officeDocument/2006/relationships" xmlns:p="http://schemas.openxmlformats.org/presentationml/2006/main">
   <p:cSld>
     <p:spTree>
@@ -4450,7 +5950,7 @@
           <a:lstStyle/>
           <a:p>
             <a:fld id="{33A541C5-8B19-BB4E-A02B-19E290C94680}" type="slidenum">
-              <a:t>4</a:t>
+              <a:t>8</a:t>
             </a:fld>
             <a:endParaRPr lang="en-US"/>
           </a:p>
@@ -4976,7 +6476,7 @@
 </p:sld>
 </file>
 
-<file path=ppt/slides/slide5.xml><?xml version="1.0" encoding="utf-8"?>
+<file path=ppt/slides/slide9.xml><?xml version="1.0" encoding="utf-8"?>
 <p:sld xmlns:a="http://schemas.openxmlformats.org/drawingml/2006/main" xmlns:r="http://schemas.openxmlformats.org/officeDocument/2006/relationships" xmlns:p="http://schemas.openxmlformats.org/presentationml/2006/main">
   <p:cSld>
     <p:spTree>
@@ -5102,7 +6602,7 @@
           <a:lstStyle/>
           <a:p>
             <a:fld id="{33A541C5-8B19-BB4E-A02B-19E290C94680}" type="slidenum">
-              <a:t>5</a:t>
+              <a:t>9</a:t>
             </a:fld>
             <a:endParaRPr lang="en-US"/>
           </a:p>
@@ -5112,597 +6612,6 @@
     <p:extLst>
       <p:ext uri="{BB962C8B-B14F-4D97-AF65-F5344CB8AC3E}">
         <p14:creationId xmlns:p14="http://schemas.microsoft.com/office/powerpoint/2010/main" val="4239209665"/>
-      </p:ext>
-    </p:extLst>
-  </p:cSld>
-  <p:clrMapOvr>
-    <a:masterClrMapping/>
-  </p:clrMapOvr>
-</p:sld>
-</file>
-
-<file path=ppt/slides/slide6.xml><?xml version="1.0" encoding="utf-8"?>
-<p:sld xmlns:a="http://schemas.openxmlformats.org/drawingml/2006/main" xmlns:r="http://schemas.openxmlformats.org/officeDocument/2006/relationships" xmlns:p="http://schemas.openxmlformats.org/presentationml/2006/main">
-  <p:cSld>
-    <p:spTree>
-      <p:nvGrpSpPr>
-        <p:cNvPr id="1" name=""/>
-        <p:cNvGrpSpPr/>
-        <p:nvPr/>
-      </p:nvGrpSpPr>
-      <p:grpSpPr>
-        <a:xfrm>
-          <a:off x="0" y="0"/>
-          <a:ext cx="0" cy="0"/>
-          <a:chOff x="0" y="0"/>
-          <a:chExt cx="0" cy="0"/>
-        </a:xfrm>
-      </p:grpSpPr>
-      <p:sp>
-        <p:nvSpPr>
-          <p:cNvPr id="8" name="TextBox 7"/>
-          <p:cNvSpPr txBox="1"/>
-          <p:nvPr/>
-        </p:nvSpPr>
-        <p:spPr>
-          <a:xfrm>
-            <a:off x="5553065" y="4992376"/>
-            <a:ext cx="3371987" cy="1569660"/>
-          </a:xfrm>
-          <a:prstGeom prst="rect">
-            <a:avLst/>
-          </a:prstGeom>
-        </p:spPr>
-        <p:style>
-          <a:lnRef idx="2">
-            <a:schemeClr val="dk1"/>
-          </a:lnRef>
-          <a:fillRef idx="1">
-            <a:schemeClr val="lt1"/>
-          </a:fillRef>
-          <a:effectRef idx="0">
-            <a:schemeClr val="dk1"/>
-          </a:effectRef>
-          <a:fontRef idx="minor">
-            <a:schemeClr val="dk1"/>
-          </a:fontRef>
-        </p:style>
-        <p:txBody>
-          <a:bodyPr wrap="none" rtlCol="0">
-            <a:spAutoFit/>
-          </a:bodyPr>
-          <a:lstStyle/>
-          <a:p>
-            <a:r>
-              <a:rPr lang="en-US" sz="2400"/>
-              <a:t>A = 1.000.000</a:t>
-            </a:r>
-          </a:p>
-          <a:p>
-            <a:r>
-              <a:rPr lang="en-US" sz="2400"/>
-              <a:t>A &gt; B 5000</a:t>
-            </a:r>
-          </a:p>
-          <a:p>
-            <a:r>
-              <a:rPr lang="en-US" sz="2400"/>
-              <a:t>Chain: 4767</a:t>
-            </a:r>
-          </a:p>
-          <a:p>
-            <a:r>
-              <a:rPr lang="en-US" sz="2400"/>
-              <a:t>Hash: </a:t>
-            </a:r>
-            <a:r>
-              <a:rPr lang="is-IS" sz="2400"/>
-              <a:t>005e474d5e775e...</a:t>
-            </a:r>
-            <a:endParaRPr lang="en-US" sz="2400"/>
-          </a:p>
-        </p:txBody>
-      </p:sp>
-      <p:sp>
-        <p:nvSpPr>
-          <p:cNvPr id="2" name="TextBox 1"/>
-          <p:cNvSpPr txBox="1"/>
-          <p:nvPr/>
-        </p:nvSpPr>
-        <p:spPr>
-          <a:xfrm>
-            <a:off x="262049" y="2117703"/>
-            <a:ext cx="3371987" cy="1569660"/>
-          </a:xfrm>
-          <a:prstGeom prst="rect">
-            <a:avLst/>
-          </a:prstGeom>
-        </p:spPr>
-        <p:style>
-          <a:lnRef idx="2">
-            <a:schemeClr val="dk1"/>
-          </a:lnRef>
-          <a:fillRef idx="1">
-            <a:schemeClr val="lt1"/>
-          </a:fillRef>
-          <a:effectRef idx="0">
-            <a:schemeClr val="dk1"/>
-          </a:effectRef>
-          <a:fontRef idx="minor">
-            <a:schemeClr val="dk1"/>
-          </a:fontRef>
-        </p:style>
-        <p:txBody>
-          <a:bodyPr wrap="none" rtlCol="0">
-            <a:spAutoFit/>
-          </a:bodyPr>
-          <a:lstStyle/>
-          <a:p>
-            <a:r>
-              <a:rPr lang="en-US" sz="2400"/>
-              <a:t>A = 1.000.000</a:t>
-            </a:r>
-          </a:p>
-          <a:p>
-            <a:r>
-              <a:rPr lang="en-US" sz="2400"/>
-              <a:t>A &gt; B 5000</a:t>
-            </a:r>
-          </a:p>
-          <a:p>
-            <a:r>
-              <a:rPr lang="en-US" sz="2400"/>
-              <a:t>Chain: 4767</a:t>
-            </a:r>
-          </a:p>
-          <a:p>
-            <a:r>
-              <a:rPr lang="en-US" sz="2400"/>
-              <a:t>Hash: </a:t>
-            </a:r>
-            <a:r>
-              <a:rPr lang="is-IS" sz="2400"/>
-              <a:t>005e474d5e775e...</a:t>
-            </a:r>
-            <a:endParaRPr lang="en-US" sz="2400"/>
-          </a:p>
-        </p:txBody>
-      </p:sp>
-      <p:sp>
-        <p:nvSpPr>
-          <p:cNvPr id="3" name="TextBox 2"/>
-          <p:cNvSpPr txBox="1"/>
-          <p:nvPr/>
-        </p:nvSpPr>
-        <p:spPr>
-          <a:xfrm>
-            <a:off x="1794028" y="1390748"/>
-            <a:ext cx="530915" cy="646331"/>
-          </a:xfrm>
-          <a:prstGeom prst="rect">
-            <a:avLst/>
-          </a:prstGeom>
-          <a:noFill/>
-        </p:spPr>
-        <p:txBody>
-          <a:bodyPr wrap="none" rtlCol="0">
-            <a:spAutoFit/>
-          </a:bodyPr>
-          <a:lstStyle/>
-          <a:p>
-            <a:r>
-              <a:rPr lang="en-US" sz="3600">
-                <a:latin typeface="Avenir Black"/>
-                <a:cs typeface="Avenir Black"/>
-              </a:rPr>
-              <a:t>A</a:t>
-            </a:r>
-          </a:p>
-        </p:txBody>
-      </p:sp>
-      <p:sp>
-        <p:nvSpPr>
-          <p:cNvPr id="4" name="TextBox 3"/>
-          <p:cNvSpPr txBox="1"/>
-          <p:nvPr/>
-        </p:nvSpPr>
-        <p:spPr>
-          <a:xfrm>
-            <a:off x="1413469" y="5130875"/>
-            <a:ext cx="535064" cy="646331"/>
-          </a:xfrm>
-          <a:prstGeom prst="rect">
-            <a:avLst/>
-          </a:prstGeom>
-          <a:noFill/>
-        </p:spPr>
-        <p:txBody>
-          <a:bodyPr wrap="none" rtlCol="0">
-            <a:spAutoFit/>
-          </a:bodyPr>
-          <a:lstStyle/>
-          <a:p>
-            <a:r>
-              <a:rPr lang="en-US" sz="3600">
-                <a:latin typeface="Avenir Black"/>
-                <a:cs typeface="Avenir Black"/>
-              </a:rPr>
-              <a:t>D</a:t>
-            </a:r>
-          </a:p>
-        </p:txBody>
-      </p:sp>
-      <p:sp>
-        <p:nvSpPr>
-          <p:cNvPr id="5" name="TextBox 4"/>
-          <p:cNvSpPr txBox="1"/>
-          <p:nvPr/>
-        </p:nvSpPr>
-        <p:spPr>
-          <a:xfrm>
-            <a:off x="6815711" y="4226319"/>
-            <a:ext cx="505267" cy="646331"/>
-          </a:xfrm>
-          <a:prstGeom prst="rect">
-            <a:avLst/>
-          </a:prstGeom>
-          <a:noFill/>
-        </p:spPr>
-        <p:txBody>
-          <a:bodyPr wrap="none" rtlCol="0">
-            <a:spAutoFit/>
-          </a:bodyPr>
-          <a:lstStyle/>
-          <a:p>
-            <a:r>
-              <a:rPr lang="en-US" sz="3600">
-                <a:latin typeface="Avenir Black"/>
-                <a:cs typeface="Avenir Black"/>
-              </a:rPr>
-              <a:t>C</a:t>
-            </a:r>
-          </a:p>
-        </p:txBody>
-      </p:sp>
-      <p:sp>
-        <p:nvSpPr>
-          <p:cNvPr id="6" name="TextBox 5"/>
-          <p:cNvSpPr txBox="1"/>
-          <p:nvPr/>
-        </p:nvSpPr>
-        <p:spPr>
-          <a:xfrm>
-            <a:off x="6815711" y="1524782"/>
-            <a:ext cx="483822" cy="646331"/>
-          </a:xfrm>
-          <a:prstGeom prst="rect">
-            <a:avLst/>
-          </a:prstGeom>
-          <a:noFill/>
-        </p:spPr>
-        <p:txBody>
-          <a:bodyPr wrap="none" rtlCol="0">
-            <a:spAutoFit/>
-          </a:bodyPr>
-          <a:lstStyle/>
-          <a:p>
-            <a:r>
-              <a:rPr lang="en-US" sz="3600">
-                <a:latin typeface="Avenir Black"/>
-                <a:cs typeface="Avenir Black"/>
-              </a:rPr>
-              <a:t>B</a:t>
-            </a:r>
-          </a:p>
-        </p:txBody>
-      </p:sp>
-      <p:sp>
-        <p:nvSpPr>
-          <p:cNvPr id="9" name="Date Placeholder 8"/>
-          <p:cNvSpPr>
-            <a:spLocks noGrp="1"/>
-          </p:cNvSpPr>
-          <p:nvPr>
-            <p:ph type="dt" sz="half" idx="10"/>
-          </p:nvPr>
-        </p:nvSpPr>
-        <p:spPr/>
-        <p:txBody>
-          <a:bodyPr/>
-          <a:lstStyle/>
-          <a:p>
-            <a:r>
-              <a:rPr lang="en-US"/>
-              <a:t>9/18/17</a:t>
-            </a:r>
-          </a:p>
-        </p:txBody>
-      </p:sp>
-      <p:sp>
-        <p:nvSpPr>
-          <p:cNvPr id="10" name="Footer Placeholder 9"/>
-          <p:cNvSpPr>
-            <a:spLocks noGrp="1"/>
-          </p:cNvSpPr>
-          <p:nvPr>
-            <p:ph type="ftr" sz="quarter" idx="11"/>
-          </p:nvPr>
-        </p:nvSpPr>
-        <p:spPr/>
-        <p:txBody>
-          <a:bodyPr/>
-          <a:lstStyle/>
-          <a:p>
-            <a:r>
-              <a:rPr lang="en-US"/>
-              <a:t>BR - Filosofi Blockchain</a:t>
-            </a:r>
-          </a:p>
-        </p:txBody>
-      </p:sp>
-      <p:sp>
-        <p:nvSpPr>
-          <p:cNvPr id="11" name="Slide Number Placeholder 10"/>
-          <p:cNvSpPr>
-            <a:spLocks noGrp="1"/>
-          </p:cNvSpPr>
-          <p:nvPr>
-            <p:ph type="sldNum" sz="quarter" idx="12"/>
-          </p:nvPr>
-        </p:nvSpPr>
-        <p:spPr/>
-        <p:txBody>
-          <a:bodyPr/>
-          <a:lstStyle/>
-          <a:p>
-            <a:fld id="{33A541C5-8B19-BB4E-A02B-19E290C94680}" type="slidenum">
-              <a:t>6</a:t>
-            </a:fld>
-            <a:endParaRPr lang="en-US"/>
-          </a:p>
-        </p:txBody>
-      </p:sp>
-      <p:sp>
-        <p:nvSpPr>
-          <p:cNvPr id="12" name="TextBox 11"/>
-          <p:cNvSpPr txBox="1"/>
-          <p:nvPr/>
-        </p:nvSpPr>
-        <p:spPr>
-          <a:xfrm>
-            <a:off x="5741866" y="2489153"/>
-            <a:ext cx="2554981" cy="1908215"/>
-          </a:xfrm>
-          <a:prstGeom prst="rect">
-            <a:avLst/>
-          </a:prstGeom>
-          <a:noFill/>
-        </p:spPr>
-        <p:txBody>
-          <a:bodyPr wrap="none" rtlCol="0">
-            <a:spAutoFit/>
-          </a:bodyPr>
-          <a:lstStyle/>
-          <a:p>
-            <a:r>
-              <a:rPr lang="en-US" sz="2800" b="1"/>
-              <a:t>C:</a:t>
-            </a:r>
-          </a:p>
-          <a:p>
-            <a:r>
-              <a:rPr lang="en-US"/>
-              <a:t>Validated the transaction</a:t>
-            </a:r>
-          </a:p>
-          <a:p>
-            <a:r>
-              <a:rPr lang="en-US"/>
-              <a:t>Found the hash</a:t>
-            </a:r>
-          </a:p>
-          <a:p>
-            <a:r>
-              <a:rPr lang="en-US"/>
-              <a:t>Added into the ledger</a:t>
-            </a:r>
-          </a:p>
-          <a:p>
-            <a:r>
-              <a:rPr lang="en-US"/>
-              <a:t>Got “paid” for the effort</a:t>
-            </a:r>
-          </a:p>
-          <a:p>
-            <a:r>
-              <a:rPr lang="en-US"/>
-              <a:t>Transactions propagated</a:t>
-            </a:r>
-          </a:p>
-        </p:txBody>
-      </p:sp>
-    </p:spTree>
-    <p:extLst>
-      <p:ext uri="{BB962C8B-B14F-4D97-AF65-F5344CB8AC3E}">
-        <p14:creationId xmlns:p14="http://schemas.microsoft.com/office/powerpoint/2010/main" val="2654219976"/>
-      </p:ext>
-    </p:extLst>
-  </p:cSld>
-  <p:clrMapOvr>
-    <a:masterClrMapping/>
-  </p:clrMapOvr>
-  <p:timing>
-    <p:tnLst>
-      <p:par>
-        <p:cTn xmlns:p14="http://schemas.microsoft.com/office/powerpoint/2010/main" id="1" dur="indefinite" restart="never" nodeType="tmRoot"/>
-      </p:par>
-    </p:tnLst>
-  </p:timing>
-</p:sld>
-</file>
-
-<file path=ppt/slides/slide7.xml><?xml version="1.0" encoding="utf-8"?>
-<p:sld xmlns:a="http://schemas.openxmlformats.org/drawingml/2006/main" xmlns:r="http://schemas.openxmlformats.org/officeDocument/2006/relationships" xmlns:p="http://schemas.openxmlformats.org/presentationml/2006/main">
-  <p:cSld>
-    <p:spTree>
-      <p:nvGrpSpPr>
-        <p:cNvPr id="1" name=""/>
-        <p:cNvGrpSpPr/>
-        <p:nvPr/>
-      </p:nvGrpSpPr>
-      <p:grpSpPr>
-        <a:xfrm>
-          <a:off x="0" y="0"/>
-          <a:ext cx="0" cy="0"/>
-          <a:chOff x="0" y="0"/>
-          <a:chExt cx="0" cy="0"/>
-        </a:xfrm>
-      </p:grpSpPr>
-      <p:sp>
-        <p:nvSpPr>
-          <p:cNvPr id="5" name="Title 4"/>
-          <p:cNvSpPr>
-            <a:spLocks noGrp="1"/>
-          </p:cNvSpPr>
-          <p:nvPr>
-            <p:ph type="title"/>
-          </p:nvPr>
-        </p:nvSpPr>
-        <p:spPr/>
-        <p:txBody>
-          <a:bodyPr/>
-          <a:lstStyle/>
-          <a:p>
-            <a:r>
-              <a:rPr lang="en-US"/>
-              <a:t>Penutup</a:t>
-            </a:r>
-          </a:p>
-        </p:txBody>
-      </p:sp>
-      <p:sp>
-        <p:nvSpPr>
-          <p:cNvPr id="6" name="Content Placeholder 5"/>
-          <p:cNvSpPr>
-            <a:spLocks noGrp="1"/>
-          </p:cNvSpPr>
-          <p:nvPr>
-            <p:ph idx="1"/>
-          </p:nvPr>
-        </p:nvSpPr>
-        <p:spPr/>
-        <p:txBody>
-          <a:bodyPr/>
-          <a:lstStyle/>
-          <a:p>
-            <a:r>
-              <a:rPr lang="en-US"/>
-              <a:t>Komponen dari </a:t>
-            </a:r>
-            <a:r>
-              <a:rPr lang="en-US" b="1"/>
-              <a:t>Blockchain</a:t>
-            </a:r>
-          </a:p>
-          <a:p>
-            <a:pPr lvl="1"/>
-            <a:r>
-              <a:rPr lang="en-US"/>
-              <a:t>Distributed Open Ledger (database)</a:t>
-            </a:r>
-          </a:p>
-          <a:p>
-            <a:pPr lvl="1"/>
-            <a:r>
-              <a:rPr lang="en-US"/>
-              <a:t>“Miners” (pihak-pihak pencatat)</a:t>
-            </a:r>
-          </a:p>
-          <a:p>
-            <a:pPr lvl="1"/>
-            <a:r>
-              <a:rPr lang="en-US"/>
-              <a:t>Aturan (kebijakan) tentang “pemenang” dan “honor kerja”</a:t>
-            </a:r>
-          </a:p>
-          <a:p>
-            <a:r>
-              <a:rPr lang="en-US"/>
-              <a:t>Dapat diaplikasikan kepada hal-hal yang memiliki komponen tersebut (beserta variasinya)</a:t>
-            </a:r>
-          </a:p>
-        </p:txBody>
-      </p:sp>
-      <p:sp>
-        <p:nvSpPr>
-          <p:cNvPr id="2" name="Date Placeholder 1"/>
-          <p:cNvSpPr>
-            <a:spLocks noGrp="1"/>
-          </p:cNvSpPr>
-          <p:nvPr>
-            <p:ph type="dt" sz="half" idx="10"/>
-          </p:nvPr>
-        </p:nvSpPr>
-        <p:spPr/>
-        <p:txBody>
-          <a:bodyPr/>
-          <a:lstStyle/>
-          <a:p>
-            <a:r>
-              <a:rPr lang="en-US"/>
-              <a:t>9/18/17</a:t>
-            </a:r>
-          </a:p>
-        </p:txBody>
-      </p:sp>
-      <p:sp>
-        <p:nvSpPr>
-          <p:cNvPr id="3" name="Footer Placeholder 2"/>
-          <p:cNvSpPr>
-            <a:spLocks noGrp="1"/>
-          </p:cNvSpPr>
-          <p:nvPr>
-            <p:ph type="ftr" sz="quarter" idx="11"/>
-          </p:nvPr>
-        </p:nvSpPr>
-        <p:spPr/>
-        <p:txBody>
-          <a:bodyPr/>
-          <a:lstStyle/>
-          <a:p>
-            <a:r>
-              <a:rPr lang="en-US"/>
-              <a:t>BR - Filosofi Blockchain</a:t>
-            </a:r>
-          </a:p>
-        </p:txBody>
-      </p:sp>
-      <p:sp>
-        <p:nvSpPr>
-          <p:cNvPr id="4" name="Slide Number Placeholder 3"/>
-          <p:cNvSpPr>
-            <a:spLocks noGrp="1"/>
-          </p:cNvSpPr>
-          <p:nvPr>
-            <p:ph type="sldNum" sz="quarter" idx="12"/>
-          </p:nvPr>
-        </p:nvSpPr>
-        <p:spPr/>
-        <p:txBody>
-          <a:bodyPr/>
-          <a:lstStyle/>
-          <a:p>
-            <a:fld id="{33A541C5-8B19-BB4E-A02B-19E290C94680}" type="slidenum">
-              <a:t>7</a:t>
-            </a:fld>
-            <a:endParaRPr lang="en-US"/>
-          </a:p>
-        </p:txBody>
-      </p:sp>
-    </p:spTree>
-    <p:extLst>
-      <p:ext uri="{BB962C8B-B14F-4D97-AF65-F5344CB8AC3E}">
-        <p14:creationId xmlns:p14="http://schemas.microsoft.com/office/powerpoint/2010/main" val="505539880"/>
       </p:ext>
     </p:extLst>
   </p:cSld>
